--- a/week03/Day05/Week 03-demo.pptx
+++ b/week03/Day05/Week 03-demo.pptx
@@ -1863,7 +1863,7 @@
           <a:p>
             <a:fld id="{6E5C0719-993D-42E1-80ED-8F01056F36C2}" type="datetimeFigureOut">
               <a:rPr lang="en-US" smtClean="0"/>
-              <a:t>26-Sep-19</a:t>
+              <a:t>27-Sep-19</a:t>
             </a:fld>
             <a:endParaRPr lang="en-US" dirty="0"/>
           </a:p>
@@ -2040,7 +2040,7 @@
           <a:p>
             <a:fld id="{21D3BC9C-6C58-464F-B94E-FD73C5FB016E}" type="datetimeFigureOut">
               <a:rPr lang="en-US" smtClean="0"/>
-              <a:t>26-Sep-19</a:t>
+              <a:t>27-Sep-19</a:t>
             </a:fld>
             <a:endParaRPr lang="en-US" dirty="0"/>
           </a:p>
@@ -3042,7 +3042,7 @@
           <a:p>
             <a:fld id="{40DA1498-92C7-4E4B-8045-C9195F453964}" type="datetimeFigureOut">
               <a:rPr lang="en-US" smtClean="0"/>
-              <a:t>26-Sep-19</a:t>
+              <a:t>27-Sep-19</a:t>
             </a:fld>
             <a:endParaRPr lang="en-US" dirty="0"/>
           </a:p>
@@ -3240,7 +3240,7 @@
           <a:p>
             <a:fld id="{40DA1498-92C7-4E4B-8045-C9195F453964}" type="datetimeFigureOut">
               <a:rPr lang="en-US" smtClean="0"/>
-              <a:t>26-Sep-19</a:t>
+              <a:t>27-Sep-19</a:t>
             </a:fld>
             <a:endParaRPr lang="en-US" dirty="0"/>
           </a:p>
@@ -3448,7 +3448,7 @@
           <a:p>
             <a:fld id="{40DA1498-92C7-4E4B-8045-C9195F453964}" type="datetimeFigureOut">
               <a:rPr lang="en-US" smtClean="0"/>
-              <a:t>26-Sep-19</a:t>
+              <a:t>27-Sep-19</a:t>
             </a:fld>
             <a:endParaRPr lang="en-US" dirty="0"/>
           </a:p>
@@ -3646,7 +3646,7 @@
           <a:p>
             <a:fld id="{40DA1498-92C7-4E4B-8045-C9195F453964}" type="datetimeFigureOut">
               <a:rPr lang="en-US" smtClean="0"/>
-              <a:t>26-Sep-19</a:t>
+              <a:t>27-Sep-19</a:t>
             </a:fld>
             <a:endParaRPr lang="en-US" dirty="0"/>
           </a:p>
@@ -3921,7 +3921,7 @@
           <a:p>
             <a:fld id="{40DA1498-92C7-4E4B-8045-C9195F453964}" type="datetimeFigureOut">
               <a:rPr lang="en-US" smtClean="0"/>
-              <a:t>26-Sep-19</a:t>
+              <a:t>27-Sep-19</a:t>
             </a:fld>
             <a:endParaRPr lang="en-US" dirty="0"/>
           </a:p>
@@ -4186,7 +4186,7 @@
           <a:p>
             <a:fld id="{40DA1498-92C7-4E4B-8045-C9195F453964}" type="datetimeFigureOut">
               <a:rPr lang="en-US" smtClean="0"/>
-              <a:t>26-Sep-19</a:t>
+              <a:t>27-Sep-19</a:t>
             </a:fld>
             <a:endParaRPr lang="en-US" dirty="0"/>
           </a:p>
@@ -4598,7 +4598,7 @@
           <a:p>
             <a:fld id="{40DA1498-92C7-4E4B-8045-C9195F453964}" type="datetimeFigureOut">
               <a:rPr lang="en-US" smtClean="0"/>
-              <a:t>26-Sep-19</a:t>
+              <a:t>27-Sep-19</a:t>
             </a:fld>
             <a:endParaRPr lang="en-US" dirty="0"/>
           </a:p>
@@ -4739,7 +4739,7 @@
           <a:p>
             <a:fld id="{40DA1498-92C7-4E4B-8045-C9195F453964}" type="datetimeFigureOut">
               <a:rPr lang="en-US" smtClean="0"/>
-              <a:t>26-Sep-19</a:t>
+              <a:t>27-Sep-19</a:t>
             </a:fld>
             <a:endParaRPr lang="en-US" dirty="0"/>
           </a:p>
@@ -4852,7 +4852,7 @@
           <a:p>
             <a:fld id="{40DA1498-92C7-4E4B-8045-C9195F453964}" type="datetimeFigureOut">
               <a:rPr lang="en-US" smtClean="0"/>
-              <a:t>26-Sep-19</a:t>
+              <a:t>27-Sep-19</a:t>
             </a:fld>
             <a:endParaRPr lang="en-US" dirty="0"/>
           </a:p>
@@ -5163,7 +5163,7 @@
           <a:p>
             <a:fld id="{40DA1498-92C7-4E4B-8045-C9195F453964}" type="datetimeFigureOut">
               <a:rPr lang="en-US" smtClean="0"/>
-              <a:t>26-Sep-19</a:t>
+              <a:t>27-Sep-19</a:t>
             </a:fld>
             <a:endParaRPr lang="en-US" dirty="0"/>
           </a:p>
@@ -5455,7 +5455,7 @@
           <a:p>
             <a:fld id="{40DA1498-92C7-4E4B-8045-C9195F453964}" type="datetimeFigureOut">
               <a:rPr lang="en-US" smtClean="0"/>
-              <a:t>26-Sep-19</a:t>
+              <a:t>27-Sep-19</a:t>
             </a:fld>
             <a:endParaRPr lang="en-US" dirty="0"/>
           </a:p>
@@ -5696,7 +5696,7 @@
           <a:p>
             <a:fld id="{40DA1498-92C7-4E4B-8045-C9195F453964}" type="datetimeFigureOut">
               <a:rPr lang="en-US" smtClean="0"/>
-              <a:t>26-Sep-19</a:t>
+              <a:t>27-Sep-19</a:t>
             </a:fld>
             <a:endParaRPr lang="en-US" dirty="0"/>
           </a:p>
@@ -7708,7 +7708,7 @@
                   <a:schemeClr val="bg1"/>
                 </a:solidFill>
               </a:rPr>
-              <a:t>3. </a:t>
+              <a:t>3. Create </a:t>
             </a:r>
             <a:r>
               <a:rPr lang="en-US" sz="6000" b="1" dirty="0" err="1">
@@ -7750,8 +7750,8 @@
         </p:nvSpPr>
         <p:spPr>
           <a:xfrm>
-            <a:off x="6095999" y="3696796"/>
-            <a:ext cx="5530049" cy="2151553"/>
+            <a:off x="5379869" y="3696796"/>
+            <a:ext cx="6246180" cy="2151553"/>
           </a:xfrm>
           <a:prstGeom prst="rect">
             <a:avLst/>
@@ -7759,7 +7759,7 @@
         </p:spPr>
         <p:txBody>
           <a:bodyPr vert="horz" lIns="91440" tIns="45720" rIns="91440" bIns="45720" rtlCol="0" anchor="ctr">
-            <a:normAutofit/>
+            <a:normAutofit fontScale="92500" lnSpcReduction="10000"/>
           </a:bodyPr>
           <a:lstStyle>
             <a:lvl1pPr algn="l" defTabSz="914400" rtl="0" eaLnBrk="1" latinLnBrk="0" hangingPunct="1">
@@ -7788,7 +7788,7 @@
                   <a:schemeClr val="bg1"/>
                 </a:solidFill>
               </a:rPr>
-              <a:t>4. </a:t>
+              <a:t>4. Create </a:t>
             </a:r>
             <a:r>
               <a:rPr lang="en-US" sz="6000" b="1" dirty="0" err="1">
@@ -8202,11 +8202,11 @@
   <p:clrMapOvr>
     <a:masterClrMapping/>
   </p:clrMapOvr>
-  <mc:AlternateContent xmlns:mc="http://schemas.openxmlformats.org/markup-compatibility/2006">
-    <mc:Choice xmlns:p14="http://schemas.microsoft.com/office/powerpoint/2010/main" Requires="p14">
+  <mc:AlternateContent xmlns:mc="http://schemas.openxmlformats.org/markup-compatibility/2006" xmlns:p14="http://schemas.microsoft.com/office/powerpoint/2010/main">
+    <mc:Choice Requires="p14">
       <p:transition p14:dur="10"/>
     </mc:Choice>
-    <mc:Fallback>
+    <mc:Fallback xmlns="">
       <p:transition/>
     </mc:Fallback>
   </mc:AlternateContent>
@@ -8362,7 +8362,10 @@
     <p:bg>
       <p:bgPr>
         <a:solidFill>
-          <a:schemeClr val="tx1"/>
+          <a:schemeClr val="tx1">
+            <a:lumMod val="85000"/>
+            <a:lumOff val="15000"/>
+          </a:schemeClr>
         </a:solidFill>
         <a:effectLst/>
       </p:bgPr>
@@ -8931,13 +8934,13 @@
   <p:clrMapOvr>
     <a:masterClrMapping/>
   </p:clrMapOvr>
-  <mc:AlternateContent xmlns:mc="http://schemas.openxmlformats.org/markup-compatibility/2006">
-    <mc:Choice xmlns:p14="http://schemas.microsoft.com/office/powerpoint/2010/main" Requires="p14">
+  <mc:AlternateContent xmlns:mc="http://schemas.openxmlformats.org/markup-compatibility/2006" xmlns:p14="http://schemas.microsoft.com/office/powerpoint/2010/main">
+    <mc:Choice Requires="p14">
       <p:transition spd="slow" p14:dur="1500">
         <p:split orient="vert"/>
       </p:transition>
     </mc:Choice>
-    <mc:Fallback>
+    <mc:Fallback xmlns="">
       <p:transition spd="slow">
         <p:split orient="vert"/>
       </p:transition>
@@ -8952,7 +8955,10 @@
     <p:bg>
       <p:bgPr>
         <a:solidFill>
-          <a:schemeClr val="tx1"/>
+          <a:schemeClr val="tx1">
+            <a:lumMod val="85000"/>
+            <a:lumOff val="15000"/>
+          </a:schemeClr>
         </a:solidFill>
         <a:effectLst/>
       </p:bgPr>
@@ -9026,13 +9032,13 @@
   <p:clrMapOvr>
     <a:masterClrMapping/>
   </p:clrMapOvr>
-  <mc:AlternateContent xmlns:mc="http://schemas.openxmlformats.org/markup-compatibility/2006">
-    <mc:Choice xmlns:p14="http://schemas.microsoft.com/office/powerpoint/2010/main" Requires="p14">
+  <mc:AlternateContent xmlns:mc="http://schemas.openxmlformats.org/markup-compatibility/2006" xmlns:p14="http://schemas.microsoft.com/office/powerpoint/2010/main">
+    <mc:Choice Requires="p14">
       <p:transition spd="slow" p14:dur="5000" advClick="0" advTm="5000">
         <p:dissolve/>
       </p:transition>
     </mc:Choice>
-    <mc:Fallback>
+    <mc:Fallback xmlns="">
       <p:transition spd="slow" advClick="0" advTm="5000">
         <p:dissolve/>
       </p:transition>
@@ -9316,13 +9322,13 @@
   <p:clrMapOvr>
     <a:masterClrMapping/>
   </p:clrMapOvr>
-  <mc:AlternateContent xmlns:mc="http://schemas.openxmlformats.org/markup-compatibility/2006">
-    <mc:Choice xmlns:p14="http://schemas.microsoft.com/office/powerpoint/2010/main" Requires="p14">
+  <mc:AlternateContent xmlns:mc="http://schemas.openxmlformats.org/markup-compatibility/2006" xmlns:p14="http://schemas.microsoft.com/office/powerpoint/2010/main">
+    <mc:Choice Requires="p14">
       <p:transition spd="slow" p14:dur="5000">
         <p:dissolve/>
       </p:transition>
     </mc:Choice>
-    <mc:Fallback>
+    <mc:Fallback xmlns="">
       <p:transition spd="slow">
         <p:dissolve/>
       </p:transition>
@@ -9515,7 +9521,10 @@
     <p:bg>
       <p:bgPr>
         <a:solidFill>
-          <a:schemeClr val="tx1"/>
+          <a:schemeClr val="tx1">
+            <a:lumMod val="85000"/>
+            <a:lumOff val="15000"/>
+          </a:schemeClr>
         </a:solidFill>
         <a:effectLst/>
       </p:bgPr>
@@ -14224,13 +14233,13 @@
   <p:clrMapOvr>
     <a:masterClrMapping/>
   </p:clrMapOvr>
-  <mc:AlternateContent xmlns:mc="http://schemas.openxmlformats.org/markup-compatibility/2006">
-    <mc:Choice xmlns:p15="http://schemas.microsoft.com/office/powerpoint/2012/main" Requires="p15">
+  <mc:AlternateContent xmlns:mc="http://schemas.openxmlformats.org/markup-compatibility/2006" xmlns:p15="http://schemas.microsoft.com/office/powerpoint/2012/main">
+    <mc:Choice Requires="p15">
       <p:transition xmlns:p14="http://schemas.microsoft.com/office/powerpoint/2010/main" spd="slow" p14:dur="2000">
         <p15:prstTrans prst="crush"/>
       </p:transition>
     </mc:Choice>
-    <mc:Fallback>
+    <mc:Fallback xmlns="">
       <p:transition spd="slow">
         <p:fade/>
       </p:transition>
@@ -14590,11 +14599,11 @@
   <p:clrMapOvr>
     <a:masterClrMapping/>
   </p:clrMapOvr>
-  <mc:AlternateContent xmlns:mc="http://schemas.openxmlformats.org/markup-compatibility/2006">
-    <mc:Choice xmlns:p14="http://schemas.microsoft.com/office/powerpoint/2010/main" Requires="p14">
+  <mc:AlternateContent xmlns:mc="http://schemas.openxmlformats.org/markup-compatibility/2006" xmlns:p14="http://schemas.microsoft.com/office/powerpoint/2010/main">
+    <mc:Choice Requires="p14">
       <p:transition p14:dur="0" advClick="0"/>
     </mc:Choice>
-    <mc:Fallback>
+    <mc:Fallback xmlns="">
       <p:transition advClick="0"/>
     </mc:Fallback>
   </mc:AlternateContent>
@@ -14750,7 +14759,10 @@
     <p:bg>
       <p:bgPr>
         <a:solidFill>
-          <a:schemeClr val="tx1"/>
+          <a:schemeClr val="tx1">
+            <a:lumMod val="85000"/>
+            <a:lumOff val="15000"/>
+          </a:schemeClr>
         </a:solidFill>
         <a:effectLst/>
       </p:bgPr>
@@ -15023,7 +15035,10 @@
     <p:bg>
       <p:bgPr>
         <a:solidFill>
-          <a:schemeClr val="tx1"/>
+          <a:schemeClr val="tx1">
+            <a:lumMod val="85000"/>
+            <a:lumOff val="15000"/>
+          </a:schemeClr>
         </a:solidFill>
         <a:effectLst/>
       </p:bgPr>
@@ -15481,13 +15496,13 @@
   <p:clrMapOvr>
     <a:masterClrMapping/>
   </p:clrMapOvr>
-  <mc:AlternateContent xmlns:mc="http://schemas.openxmlformats.org/markup-compatibility/2006">
-    <mc:Choice xmlns:p15="http://schemas.microsoft.com/office/powerpoint/2012/main" Requires="p15">
+  <mc:AlternateContent xmlns:mc="http://schemas.openxmlformats.org/markup-compatibility/2006" xmlns:p15="http://schemas.microsoft.com/office/powerpoint/2012/main">
+    <mc:Choice Requires="p15">
       <p:transition xmlns:p14="http://schemas.microsoft.com/office/powerpoint/2010/main" spd="slow" p14:dur="2000" advClick="0" advTm="8000">
         <p15:prstTrans prst="fracture"/>
       </p:transition>
     </mc:Choice>
-    <mc:Fallback>
+    <mc:Fallback xmlns="">
       <p:transition spd="slow" advClick="0" advTm="8000">
         <p:fade/>
       </p:transition>
@@ -16178,7 +16193,10 @@
     <p:bg>
       <p:bgPr>
         <a:solidFill>
-          <a:schemeClr val="tx1"/>
+          <a:schemeClr val="tx1">
+            <a:lumMod val="85000"/>
+            <a:lumOff val="15000"/>
+          </a:schemeClr>
         </a:solidFill>
         <a:effectLst/>
       </p:bgPr>
@@ -28902,13 +28920,13 @@
   <p:clrMapOvr>
     <a:masterClrMapping/>
   </p:clrMapOvr>
-  <mc:AlternateContent xmlns:mc="http://schemas.openxmlformats.org/markup-compatibility/2006">
-    <mc:Choice xmlns:p15="http://schemas.microsoft.com/office/powerpoint/2012/main" Requires="p15">
+  <mc:AlternateContent xmlns:mc="http://schemas.openxmlformats.org/markup-compatibility/2006" xmlns:p15="http://schemas.microsoft.com/office/powerpoint/2012/main">
+    <mc:Choice Requires="p15">
       <p:transition xmlns:p14="http://schemas.microsoft.com/office/powerpoint/2010/main" spd="slow" p14:dur="2000">
         <p15:prstTrans prst="drape"/>
       </p:transition>
     </mc:Choice>
-    <mc:Fallback>
+    <mc:Fallback xmlns="">
       <p:transition spd="slow">
         <p:fade/>
       </p:transition>
@@ -29145,9 +29163,6 @@
                     <p:cTn id="3" fill="hold">
                       <p:stCondLst>
                         <p:cond delay="indefinite"/>
-                        <p:cond evt="onBegin" delay="0">
-                          <p:tn val="2"/>
-                        </p:cond>
                       </p:stCondLst>
                       <p:childTnLst>
                         <p:par>
@@ -29157,7 +29172,7 @@
                             </p:stCondLst>
                             <p:childTnLst>
                               <p:par>
-                                <p:cTn id="5" presetID="14" presetClass="entr" presetSubtype="10" fill="hold" grpId="0" nodeType="afterEffect">
+                                <p:cTn id="5" presetID="14" presetClass="entr" presetSubtype="10" fill="hold" grpId="0" nodeType="clickEffect">
                                   <p:stCondLst>
                                     <p:cond delay="0"/>
                                   </p:stCondLst>
@@ -30080,6 +30095,14 @@
 </file>
 
 <file path=customXml/item2.xml><?xml version="1.0" encoding="utf-8"?>
+<p:properties xmlns:p="http://schemas.microsoft.com/office/2006/metadata/properties" xmlns:xsi="http://www.w3.org/2001/XMLSchema-instance" xmlns:pc="http://schemas.microsoft.com/office/infopath/2007/PartnerControls">
+  <documentManagement>
+    <MediaServiceKeyPoints xmlns="71af3243-3dd4-4a8d-8c0d-dd76da1f02a5" xsi:nil="true"/>
+  </documentManagement>
+</p:properties>
+</file>
+
+<file path=customXml/item3.xml><?xml version="1.0" encoding="utf-8"?>
 <ct:contentTypeSchema xmlns:ct="http://schemas.microsoft.com/office/2006/metadata/contentType" xmlns:ma="http://schemas.microsoft.com/office/2006/metadata/properties/metaAttributes" ct:_="" ma:_="" ma:contentTypeName="Document" ma:contentTypeID="0x01010079F111ED35F8CC479449609E8A0923A6" ma:contentTypeVersion="11" ma:contentTypeDescription="Create a new document." ma:contentTypeScope="" ma:versionID="9677210f24a1be23c92c90fd886aa0aa">
   <xsd:schema xmlns:xsd="http://www.w3.org/2001/XMLSchema" xmlns:xs="http://www.w3.org/2001/XMLSchema" xmlns:p="http://schemas.microsoft.com/office/2006/metadata/properties" xmlns:ns2="71af3243-3dd4-4a8d-8c0d-dd76da1f02a5" xmlns:ns3="16c05727-aa75-4e4a-9b5f-8a80a1165891" targetNamespace="http://schemas.microsoft.com/office/2006/metadata/properties" ma:root="true" ma:fieldsID="60e05723c5c1908df1a1a4ebf11d344e" ns2:_="" ns3:_="">
     <xsd:import namespace="71af3243-3dd4-4a8d-8c0d-dd76da1f02a5"/>
@@ -30290,14 +30313,6 @@
 </ct:contentTypeSchema>
 </file>
 
-<file path=customXml/item3.xml><?xml version="1.0" encoding="utf-8"?>
-<p:properties xmlns:p="http://schemas.microsoft.com/office/2006/metadata/properties" xmlns:xsi="http://www.w3.org/2001/XMLSchema-instance" xmlns:pc="http://schemas.microsoft.com/office/infopath/2007/PartnerControls">
-  <documentManagement>
-    <MediaServiceKeyPoints xmlns="71af3243-3dd4-4a8d-8c0d-dd76da1f02a5" xsi:nil="true"/>
-  </documentManagement>
-</p:properties>
-</file>
-
 <file path=customXml/itemProps1.xml><?xml version="1.0" encoding="utf-8"?>
 <ds:datastoreItem xmlns:ds="http://schemas.openxmlformats.org/officeDocument/2006/customXml" ds:itemID="{2FD05317-60D6-4B3A-8545-888496D1A8EC}">
   <ds:schemaRefs>
@@ -30307,6 +30322,16 @@
 </file>
 
 <file path=customXml/itemProps2.xml><?xml version="1.0" encoding="utf-8"?>
+<ds:datastoreItem xmlns:ds="http://schemas.openxmlformats.org/officeDocument/2006/customXml" ds:itemID="{EF609EDA-869E-4BE5-AE5D-B898C584B6FF}">
+  <ds:schemaRefs>
+    <ds:schemaRef ds:uri="http://schemas.microsoft.com/office/2006/metadata/properties"/>
+    <ds:schemaRef ds:uri="http://schemas.microsoft.com/office/infopath/2007/PartnerControls"/>
+    <ds:schemaRef ds:uri="71af3243-3dd4-4a8d-8c0d-dd76da1f02a5"/>
+  </ds:schemaRefs>
+</ds:datastoreItem>
+</file>
+
+<file path=customXml/itemProps3.xml><?xml version="1.0" encoding="utf-8"?>
 <ds:datastoreItem xmlns:ds="http://schemas.openxmlformats.org/officeDocument/2006/customXml" ds:itemID="{61A00BBF-EEBB-4E18-B8CB-F926EAAC48F7}">
   <ds:schemaRefs>
     <ds:schemaRef ds:uri="http://schemas.microsoft.com/office/2006/metadata/contentType"/>
@@ -30323,14 +30348,4 @@
     <ds:schemaRef ds:uri="http://schemas.microsoft.com/internal/obd"/>
   </ds:schemaRefs>
 </ds:datastoreItem>
-</file>
-
-<file path=customXml/itemProps3.xml><?xml version="1.0" encoding="utf-8"?>
-<ds:datastoreItem xmlns:ds="http://schemas.openxmlformats.org/officeDocument/2006/customXml" ds:itemID="{EF609EDA-869E-4BE5-AE5D-B898C584B6FF}">
-  <ds:schemaRefs>
-    <ds:schemaRef ds:uri="http://schemas.microsoft.com/office/2006/metadata/properties"/>
-    <ds:schemaRef ds:uri="http://schemas.microsoft.com/office/infopath/2007/PartnerControls"/>
-    <ds:schemaRef ds:uri="71af3243-3dd4-4a8d-8c0d-dd76da1f02a5"/>
-  </ds:schemaRefs>
-</ds:datastoreItem>
 </file>